--- a/Projekt-Präsentation.pptx
+++ b/Projekt-Präsentation.pptx
@@ -5030,7 +5030,7 @@
           </a:p>
           <a:p>
             <a:r>
-              <a:rPr lang="de-DE" sz="2400" dirty="0">
+              <a:rPr lang="de-DE" sz="2400" dirty="0" smtClean="0">
                 <a:solidFill>
                   <a:schemeClr val="tx1"/>
                 </a:solidFill>
@@ -5038,6 +5038,36 @@
               </a:rPr>
               <a:t>GUI-Entwurf</a:t>
             </a:r>
+          </a:p>
+          <a:p>
+            <a:pPr lvl="1"/>
+            <a:r>
+              <a:rPr lang="de-DE" sz="2400" dirty="0" smtClean="0">
+                <a:solidFill>
+                  <a:schemeClr val="tx1"/>
+                </a:solidFill>
+                <a:latin typeface="Calibri Light" panose="020F0302020204030204" pitchFamily="34" charset="0"/>
+              </a:rPr>
+              <a:t>Ohne Anmeldung</a:t>
+            </a:r>
+          </a:p>
+          <a:p>
+            <a:pPr lvl="1"/>
+            <a:r>
+              <a:rPr lang="de-DE" sz="2400" dirty="0" smtClean="0">
+                <a:solidFill>
+                  <a:schemeClr val="tx1"/>
+                </a:solidFill>
+                <a:latin typeface="Calibri Light" panose="020F0302020204030204" pitchFamily="34" charset="0"/>
+              </a:rPr>
+              <a:t>Mit Anmeldung</a:t>
+            </a:r>
+            <a:endParaRPr lang="de-DE" sz="2400" dirty="0">
+              <a:solidFill>
+                <a:schemeClr val="tx1"/>
+              </a:solidFill>
+              <a:latin typeface="Calibri Light" panose="020F0302020204030204" pitchFamily="34" charset="0"/>
+            </a:endParaRPr>
           </a:p>
         </p:txBody>
       </p:sp>
@@ -5147,7 +5177,7 @@
                   <a:schemeClr val="tx1"/>
                 </a:solidFill>
               </a:rPr>
-              <a:t>GUI-Entwurf (ohne Anmeldung)</a:t>
+              <a:t>Programmplanung</a:t>
             </a:r>
             <a:endParaRPr lang="de-DE" dirty="0">
               <a:solidFill>
@@ -5330,7 +5360,7 @@
                   <a:schemeClr val="tx1"/>
                 </a:solidFill>
               </a:rPr>
-              <a:t>GUI-Entwurf (mit Anmeldung)</a:t>
+              <a:t>Programmplanung</a:t>
             </a:r>
             <a:endParaRPr lang="de-DE" dirty="0">
               <a:solidFill>
@@ -5568,8 +5598,31 @@
                 </a:solidFill>
                 <a:latin typeface="Calibri Light" panose="020F0302020204030204" pitchFamily="34" charset="0"/>
               </a:rPr>
-              <a:t>Neue Ideen</a:t>
-            </a:r>
+              <a:t>Planung verändert</a:t>
+            </a:r>
+          </a:p>
+          <a:p>
+            <a:pPr lvl="1"/>
+            <a:r>
+              <a:rPr lang="de-DE" sz="2400" dirty="0" smtClean="0">
+                <a:solidFill>
+                  <a:schemeClr val="tx1"/>
+                </a:solidFill>
+                <a:latin typeface="Calibri Light" panose="020F0302020204030204" pitchFamily="34" charset="0"/>
+              </a:rPr>
+              <a:t>Neue Ideen eingebracht</a:t>
+            </a:r>
+          </a:p>
+          <a:p>
+            <a:pPr lvl="1"/>
+            <a:endParaRPr lang="de-DE" sz="2400" dirty="0" smtClean="0">
+              <a:solidFill>
+                <a:schemeClr val="tx1"/>
+              </a:solidFill>
+              <a:latin typeface="Calibri Light" panose="020F0302020204030204" pitchFamily="34" charset="0"/>
+            </a:endParaRPr>
+          </a:p>
+          <a:p>
             <a:endParaRPr lang="de-DE" sz="2400" dirty="0">
               <a:solidFill>
                 <a:schemeClr val="tx1"/>
@@ -5720,13 +5773,31 @@
               <a:t>Entwickelt mit </a:t>
             </a:r>
             <a:r>
-              <a:rPr lang="de-DE" sz="2400" dirty="0" err="1">
+              <a:rPr lang="de-DE" sz="2400" dirty="0" smtClean="0">
+                <a:solidFill>
+                  <a:schemeClr val="tx1"/>
+                </a:solidFill>
+                <a:latin typeface="Calibri Light" panose="020F0302020204030204" pitchFamily="34" charset="0"/>
+              </a:rPr>
+              <a:t>„</a:t>
+            </a:r>
+            <a:r>
+              <a:rPr lang="de-DE" sz="2400" dirty="0" err="1" smtClean="0">
                 <a:solidFill>
                   <a:schemeClr val="tx1"/>
                 </a:solidFill>
                 <a:latin typeface="Calibri Light" panose="020F0302020204030204" pitchFamily="34" charset="0"/>
               </a:rPr>
               <a:t>SQLiteExpertPro</a:t>
+            </a:r>
+            <a:r>
+              <a:rPr lang="de-DE" sz="2400" dirty="0" smtClean="0">
+                <a:solidFill>
+                  <a:schemeClr val="tx1"/>
+                </a:solidFill>
+                <a:latin typeface="Calibri Light" panose="020F0302020204030204" pitchFamily="34" charset="0"/>
+              </a:rPr>
+              <a:t>“</a:t>
             </a:r>
             <a:endParaRPr lang="de-DE" sz="2400" dirty="0">
               <a:solidFill>
@@ -5743,8 +5814,23 @@
                 </a:solidFill>
                 <a:latin typeface="Calibri Light" panose="020F0302020204030204" pitchFamily="34" charset="0"/>
               </a:rPr>
-              <a:t>Nach ERD</a:t>
-            </a:r>
+              <a:t>Nach </a:t>
+            </a:r>
+            <a:r>
+              <a:rPr lang="de-DE" sz="2400" dirty="0" smtClean="0">
+                <a:solidFill>
+                  <a:schemeClr val="tx1"/>
+                </a:solidFill>
+                <a:latin typeface="Calibri Light" panose="020F0302020204030204" pitchFamily="34" charset="0"/>
+              </a:rPr>
+              <a:t>dem ERD</a:t>
+            </a:r>
+            <a:endParaRPr lang="de-DE" sz="2400" dirty="0">
+              <a:solidFill>
+                <a:schemeClr val="tx1"/>
+              </a:solidFill>
+              <a:latin typeface="Calibri Light" panose="020F0302020204030204" pitchFamily="34" charset="0"/>
+            </a:endParaRPr>
           </a:p>
           <a:p>
             <a:r>
@@ -5754,8 +5840,47 @@
                 </a:solidFill>
                 <a:latin typeface="Calibri Light" panose="020F0302020204030204" pitchFamily="34" charset="0"/>
               </a:rPr>
-              <a:t>Oft überarbeitet</a:t>
-            </a:r>
+              <a:t>Oft </a:t>
+            </a:r>
+            <a:r>
+              <a:rPr lang="de-DE" sz="2400" dirty="0" smtClean="0">
+                <a:solidFill>
+                  <a:schemeClr val="tx1"/>
+                </a:solidFill>
+                <a:latin typeface="Calibri Light" panose="020F0302020204030204" pitchFamily="34" charset="0"/>
+              </a:rPr>
+              <a:t>überarbeitet</a:t>
+            </a:r>
+          </a:p>
+          <a:p>
+            <a:pPr lvl="1"/>
+            <a:r>
+              <a:rPr lang="de-DE" sz="2400" dirty="0" smtClean="0">
+                <a:solidFill>
+                  <a:schemeClr val="tx1"/>
+                </a:solidFill>
+                <a:latin typeface="Calibri Light" panose="020F0302020204030204" pitchFamily="34" charset="0"/>
+              </a:rPr>
+              <a:t>Attribute geändert</a:t>
+            </a:r>
+          </a:p>
+          <a:p>
+            <a:pPr lvl="1"/>
+            <a:r>
+              <a:rPr lang="de-DE" sz="2400" dirty="0" smtClean="0">
+                <a:solidFill>
+                  <a:schemeClr val="tx1"/>
+                </a:solidFill>
+                <a:latin typeface="Calibri Light" panose="020F0302020204030204" pitchFamily="34" charset="0"/>
+              </a:rPr>
+              <a:t>Tabellen hinzugefügt/gelöscht</a:t>
+            </a:r>
+            <a:endParaRPr lang="de-DE" sz="2400" dirty="0">
+              <a:solidFill>
+                <a:schemeClr val="tx1"/>
+              </a:solidFill>
+              <a:latin typeface="Calibri Light" panose="020F0302020204030204" pitchFamily="34" charset="0"/>
+            </a:endParaRPr>
           </a:p>
           <a:p>
             <a:endParaRPr lang="de-DE" sz="1800" dirty="0">
@@ -5899,7 +6024,7 @@
         </p:spPr>
         <p:txBody>
           <a:bodyPr>
-            <a:normAutofit fontScale="85000" lnSpcReduction="20000"/>
+            <a:normAutofit fontScale="77500" lnSpcReduction="20000"/>
           </a:bodyPr>
           <a:lstStyle/>
           <a:p>
@@ -5916,14 +6041,49 @@
           <a:p>
             <a:pPr lvl="1"/>
             <a:r>
+              <a:rPr lang="de-DE" sz="2600" dirty="0" smtClean="0">
+                <a:solidFill>
+                  <a:schemeClr val="tx1"/>
+                </a:solidFill>
+                <a:latin typeface="Calibri Light" panose="020F0302020204030204" pitchFamily="34" charset="0"/>
+              </a:rPr>
+              <a:t>Funktionen unseres Programmes</a:t>
+            </a:r>
+            <a:endParaRPr lang="de-DE" sz="2600" dirty="0">
+              <a:solidFill>
+                <a:schemeClr val="tx1"/>
+              </a:solidFill>
+              <a:latin typeface="Calibri Light" panose="020F0302020204030204" pitchFamily="34" charset="0"/>
+            </a:endParaRPr>
+          </a:p>
+          <a:p>
+            <a:pPr lvl="1"/>
+            <a:r>
               <a:rPr lang="de-DE" sz="2600" dirty="0">
                 <a:solidFill>
                   <a:schemeClr val="tx1"/>
                 </a:solidFill>
                 <a:latin typeface="Calibri Light" panose="020F0302020204030204" pitchFamily="34" charset="0"/>
               </a:rPr>
-              <a:t>Funktionen</a:t>
-            </a:r>
+              <a:t>Angewandte „Optionen“</a:t>
+            </a:r>
+          </a:p>
+          <a:p>
+            <a:r>
+              <a:rPr lang="de-DE" sz="2600" dirty="0" smtClean="0">
+                <a:solidFill>
+                  <a:schemeClr val="tx1"/>
+                </a:solidFill>
+                <a:latin typeface="Calibri Light" panose="020F0302020204030204" pitchFamily="34" charset="0"/>
+              </a:rPr>
+              <a:t>Planungsphase</a:t>
+            </a:r>
+            <a:endParaRPr lang="de-DE" sz="2600" dirty="0">
+              <a:solidFill>
+                <a:schemeClr val="tx1"/>
+              </a:solidFill>
+              <a:latin typeface="Calibri Light" panose="020F0302020204030204" pitchFamily="34" charset="0"/>
+            </a:endParaRPr>
           </a:p>
           <a:p>
             <a:pPr lvl="1"/>
@@ -5934,7 +6094,7 @@
                 </a:solidFill>
                 <a:latin typeface="Calibri Light" panose="020F0302020204030204" pitchFamily="34" charset="0"/>
               </a:rPr>
-              <a:t>Angewandte „Optionen“</a:t>
+              <a:t>Zeitplanung</a:t>
             </a:r>
           </a:p>
           <a:p>
@@ -5946,10 +6106,11 @@
                 </a:solidFill>
                 <a:latin typeface="Calibri Light" panose="020F0302020204030204" pitchFamily="34" charset="0"/>
               </a:rPr>
-              <a:t>Neue Erfahrungen</a:t>
-            </a:r>
-          </a:p>
-          <a:p>
+              <a:t>Datenbankplanung</a:t>
+            </a:r>
+          </a:p>
+          <a:p>
+            <a:pPr lvl="1"/>
             <a:r>
               <a:rPr lang="de-DE" sz="2600" dirty="0">
                 <a:solidFill>
@@ -5957,7 +6118,18 @@
                 </a:solidFill>
                 <a:latin typeface="Calibri Light" panose="020F0302020204030204" pitchFamily="34" charset="0"/>
               </a:rPr>
-              <a:t>Planungsphase</a:t>
+              <a:t>Programmplanung</a:t>
+            </a:r>
+          </a:p>
+          <a:p>
+            <a:r>
+              <a:rPr lang="de-DE" sz="2600" dirty="0">
+                <a:solidFill>
+                  <a:schemeClr val="tx1"/>
+                </a:solidFill>
+                <a:latin typeface="Calibri Light" panose="020F0302020204030204" pitchFamily="34" charset="0"/>
+              </a:rPr>
+              <a:t>Entwicklungsphase</a:t>
             </a:r>
           </a:p>
           <a:p>
@@ -5969,7 +6141,7 @@
                 </a:solidFill>
                 <a:latin typeface="Calibri Light" panose="020F0302020204030204" pitchFamily="34" charset="0"/>
               </a:rPr>
-              <a:t>Zeitplanung</a:t>
+              <a:t>Datenbankentwicklung</a:t>
             </a:r>
           </a:p>
           <a:p>
@@ -5981,7 +6153,7 @@
                 </a:solidFill>
                 <a:latin typeface="Calibri Light" panose="020F0302020204030204" pitchFamily="34" charset="0"/>
               </a:rPr>
-              <a:t>Datenbankplanung</a:t>
+              <a:t>Programmentwicklung</a:t>
             </a:r>
           </a:p>
           <a:p>
@@ -5993,55 +6165,43 @@
                 </a:solidFill>
                 <a:latin typeface="Calibri Light" panose="020F0302020204030204" pitchFamily="34" charset="0"/>
               </a:rPr>
-              <a:t>Programmplanung</a:t>
-            </a:r>
-          </a:p>
-          <a:p>
-            <a:r>
-              <a:rPr lang="de-DE" sz="2600" dirty="0">
-                <a:solidFill>
-                  <a:schemeClr val="tx1"/>
-                </a:solidFill>
-                <a:latin typeface="Calibri Light" panose="020F0302020204030204" pitchFamily="34" charset="0"/>
-              </a:rPr>
-              <a:t>Entwicklungsphase</a:t>
-            </a:r>
-          </a:p>
-          <a:p>
-            <a:pPr lvl="1"/>
-            <a:r>
-              <a:rPr lang="de-DE" sz="2600" dirty="0">
-                <a:solidFill>
-                  <a:schemeClr val="tx1"/>
-                </a:solidFill>
-                <a:latin typeface="Calibri Light" panose="020F0302020204030204" pitchFamily="34" charset="0"/>
-              </a:rPr>
-              <a:t>Datenbankentwicklung</a:t>
-            </a:r>
-          </a:p>
-          <a:p>
-            <a:pPr lvl="1"/>
-            <a:r>
-              <a:rPr lang="de-DE" sz="2600" dirty="0">
-                <a:solidFill>
-                  <a:schemeClr val="tx1"/>
-                </a:solidFill>
-                <a:latin typeface="Calibri Light" panose="020F0302020204030204" pitchFamily="34" charset="0"/>
-              </a:rPr>
-              <a:t>Programmentwicklung</a:t>
-            </a:r>
-          </a:p>
-          <a:p>
-            <a:pPr lvl="1"/>
-            <a:r>
-              <a:rPr lang="de-DE" sz="2600" dirty="0">
-                <a:solidFill>
-                  <a:schemeClr val="tx1"/>
-                </a:solidFill>
-                <a:latin typeface="Calibri Light" panose="020F0302020204030204" pitchFamily="34" charset="0"/>
-              </a:rPr>
-              <a:t>Fehler und Fehlerbehebung</a:t>
-            </a:r>
+              <a:t>Fehler und </a:t>
+            </a:r>
+            <a:r>
+              <a:rPr lang="de-DE" sz="2600" dirty="0" smtClean="0">
+                <a:solidFill>
+                  <a:schemeClr val="tx1"/>
+                </a:solidFill>
+                <a:latin typeface="Calibri Light" panose="020F0302020204030204" pitchFamily="34" charset="0"/>
+              </a:rPr>
+              <a:t>Fehlerbehebung</a:t>
+            </a:r>
+          </a:p>
+          <a:p>
+            <a:r>
+              <a:rPr lang="de-DE" sz="2800" dirty="0">
+                <a:solidFill>
+                  <a:schemeClr val="tx1"/>
+                </a:solidFill>
+                <a:latin typeface="Calibri Light" panose="020F0302020204030204" pitchFamily="34" charset="0"/>
+              </a:rPr>
+              <a:t>Neue </a:t>
+            </a:r>
+            <a:r>
+              <a:rPr lang="de-DE" sz="2800" dirty="0" smtClean="0">
+                <a:solidFill>
+                  <a:schemeClr val="tx1"/>
+                </a:solidFill>
+                <a:latin typeface="Calibri Light" panose="020F0302020204030204" pitchFamily="34" charset="0"/>
+              </a:rPr>
+              <a:t>Erfahrungen</a:t>
+            </a:r>
+            <a:endParaRPr lang="de-DE" sz="2800" dirty="0">
+              <a:solidFill>
+                <a:schemeClr val="tx1"/>
+              </a:solidFill>
+              <a:latin typeface="Calibri Light" panose="020F0302020204030204" pitchFamily="34" charset="0"/>
+            </a:endParaRPr>
           </a:p>
           <a:p>
             <a:r>
@@ -6168,7 +6328,7 @@
                   <a:schemeClr val="tx1"/>
                 </a:solidFill>
               </a:rPr>
-              <a:t>Endgültiges ERD</a:t>
+              <a:t>Datenbankentwicklung</a:t>
             </a:r>
             <a:endParaRPr lang="de-DE" dirty="0">
               <a:solidFill>
@@ -6351,7 +6511,7 @@
                   <a:schemeClr val="tx1"/>
                 </a:solidFill>
               </a:rPr>
-              <a:t>Datenbank</a:t>
+              <a:t>Datenbankentwicklung</a:t>
             </a:r>
             <a:endParaRPr lang="de-DE" dirty="0">
               <a:solidFill>
@@ -6578,7 +6738,7 @@
                 </a:solidFill>
                 <a:latin typeface="Calibri Light" panose="020F0302020204030204" pitchFamily="34" charset="0"/>
               </a:rPr>
-              <a:t>Haupt-GUIs</a:t>
+              <a:t>Haupt-GUIs und Dao</a:t>
             </a:r>
           </a:p>
           <a:p>
@@ -6589,8 +6749,47 @@
                 </a:solidFill>
                 <a:latin typeface="Calibri Light" panose="020F0302020204030204" pitchFamily="34" charset="0"/>
               </a:rPr>
-              <a:t>Dao</a:t>
-            </a:r>
+              <a:t>Methoden</a:t>
+            </a:r>
+          </a:p>
+          <a:p>
+            <a:r>
+              <a:rPr lang="de-DE" sz="2400" dirty="0" smtClean="0">
+                <a:solidFill>
+                  <a:schemeClr val="tx1"/>
+                </a:solidFill>
+                <a:latin typeface="Calibri Light" panose="020F0302020204030204" pitchFamily="34" charset="0"/>
+              </a:rPr>
+              <a:t>Weitere GUIs und Daos</a:t>
+            </a:r>
+          </a:p>
+          <a:p>
+            <a:r>
+              <a:rPr lang="de-DE" sz="2400" dirty="0" smtClean="0">
+                <a:solidFill>
+                  <a:schemeClr val="tx1"/>
+                </a:solidFill>
+                <a:latin typeface="Calibri Light" panose="020F0302020204030204" pitchFamily="34" charset="0"/>
+              </a:rPr>
+              <a:t>Fehlermeldungen und </a:t>
+            </a:r>
+            <a:r>
+              <a:rPr lang="de-DE" sz="2400" dirty="0" err="1" smtClean="0">
+                <a:solidFill>
+                  <a:schemeClr val="tx1"/>
+                </a:solidFill>
+                <a:latin typeface="Calibri Light" panose="020F0302020204030204" pitchFamily="34" charset="0"/>
+              </a:rPr>
+              <a:t>Exceptions</a:t>
+            </a:r>
+            <a:endParaRPr lang="de-DE" sz="2400" dirty="0" smtClean="0">
+              <a:solidFill>
+                <a:schemeClr val="tx1"/>
+              </a:solidFill>
+              <a:latin typeface="Calibri Light" panose="020F0302020204030204" pitchFamily="34" charset="0"/>
+            </a:endParaRPr>
+          </a:p>
+          <a:p>
             <a:endParaRPr lang="de-DE" sz="2400" dirty="0">
               <a:solidFill>
                 <a:schemeClr val="tx1"/>
@@ -6646,6 +6845,30 @@
           </a:p>
         </p:txBody>
       </p:sp>
+      <p:pic>
+        <p:nvPicPr>
+          <p:cNvPr id="6" name="Grafik 5"/>
+          <p:cNvPicPr>
+            <a:picLocks noChangeAspect="1"/>
+          </p:cNvPicPr>
+          <p:nvPr/>
+        </p:nvPicPr>
+        <p:blipFill>
+          <a:blip r:embed="rId2"/>
+          <a:stretch>
+            <a:fillRect/>
+          </a:stretch>
+        </p:blipFill>
+        <p:spPr>
+          <a:xfrm>
+            <a:off x="6191250" y="450753"/>
+            <a:ext cx="2289423" cy="5607147"/>
+          </a:xfrm>
+          <a:prstGeom prst="rect">
+            <a:avLst/>
+          </a:prstGeom>
+        </p:spPr>
+      </p:pic>
     </p:spTree>
     <p:extLst>
       <p:ext uri="{BB962C8B-B14F-4D97-AF65-F5344CB8AC3E}">
@@ -8175,6 +8398,12 @@
               </a:rPr>
               <a:t>ist das „A“ Und „O“ </a:t>
             </a:r>
+            <a:endParaRPr lang="de-DE" sz="2400" dirty="0" smtClean="0">
+              <a:solidFill>
+                <a:schemeClr val="tx1"/>
+              </a:solidFill>
+              <a:latin typeface="Calibri Light" panose="020F0302020204030204" pitchFamily="34" charset="0"/>
+            </a:endParaRPr>
           </a:p>
           <a:p>
             <a:r>
@@ -8184,6 +8413,28 @@
                 </a:solidFill>
                 <a:latin typeface="Calibri Light" panose="020F0302020204030204" pitchFamily="34" charset="0"/>
               </a:rPr>
+              <a:t>Kommunikation ist sehr wichtig </a:t>
+            </a:r>
+          </a:p>
+          <a:p>
+            <a:r>
+              <a:rPr lang="de-DE" sz="2400" dirty="0" smtClean="0">
+                <a:solidFill>
+                  <a:schemeClr val="tx1"/>
+                </a:solidFill>
+                <a:latin typeface="Calibri Light" panose="020F0302020204030204" pitchFamily="34" charset="0"/>
+              </a:rPr>
+              <a:t>sich gegenseitig helfen</a:t>
+            </a:r>
+          </a:p>
+          <a:p>
+            <a:r>
+              <a:rPr lang="de-DE" sz="2400" dirty="0" smtClean="0">
+                <a:solidFill>
+                  <a:schemeClr val="tx1"/>
+                </a:solidFill>
+                <a:latin typeface="Calibri Light" panose="020F0302020204030204" pitchFamily="34" charset="0"/>
+              </a:rPr>
               <a:t>sehr hilfreich</a:t>
             </a:r>
           </a:p>
@@ -8195,11 +8446,33 @@
                 </a:solidFill>
                 <a:latin typeface="Calibri Light" panose="020F0302020204030204" pitchFamily="34" charset="0"/>
               </a:rPr>
-              <a:t>Neue Erfahrungen sammeln</a:t>
-            </a:r>
+              <a:t>neue Erfahrungen sammeln</a:t>
+            </a:r>
+          </a:p>
+          <a:p>
+            <a:r>
+              <a:rPr lang="de-DE" sz="2400" dirty="0" smtClean="0">
+                <a:solidFill>
+                  <a:schemeClr val="tx1"/>
+                </a:solidFill>
+                <a:latin typeface="Calibri Light" panose="020F0302020204030204" pitchFamily="34" charset="0"/>
+              </a:rPr>
+              <a:t>Spaß</a:t>
+            </a:r>
+          </a:p>
+          <a:p>
+            <a:endParaRPr lang="de-DE" sz="2400" dirty="0" smtClean="0">
+              <a:solidFill>
+                <a:schemeClr val="tx1"/>
+              </a:solidFill>
+              <a:latin typeface="Calibri Light" panose="020F0302020204030204" pitchFamily="34" charset="0"/>
+            </a:endParaRPr>
           </a:p>
           <a:p>
             <a:endParaRPr lang="de-DE" sz="2400" dirty="0">
+              <a:solidFill>
+                <a:schemeClr val="tx1"/>
+              </a:solidFill>
               <a:latin typeface="Calibri Light" panose="020F0302020204030204" pitchFamily="34" charset="0"/>
             </a:endParaRPr>
           </a:p>

--- a/Projekt-Präsentation.pptx
+++ b/Projekt-Präsentation.pptx
@@ -4175,6 +4175,58 @@
           </a:p>
         </p:txBody>
       </p:sp>
+      <p:sp>
+        <p:nvSpPr>
+          <p:cNvPr id="6" name="Rechteck 5"/>
+          <p:cNvSpPr/>
+          <p:nvPr/>
+        </p:nvSpPr>
+        <p:spPr>
+          <a:xfrm>
+            <a:off x="190500" y="6588954"/>
+            <a:ext cx="2916000" cy="108000"/>
+          </a:xfrm>
+          <a:prstGeom prst="rect">
+            <a:avLst/>
+          </a:prstGeom>
+          <a:solidFill>
+            <a:schemeClr val="bg1">
+              <a:lumMod val="50000"/>
+            </a:schemeClr>
+          </a:solidFill>
+          <a:ln>
+            <a:solidFill>
+              <a:schemeClr val="bg1">
+                <a:lumMod val="50000"/>
+              </a:schemeClr>
+            </a:solidFill>
+          </a:ln>
+        </p:spPr>
+        <p:style>
+          <a:lnRef idx="2">
+            <a:schemeClr val="accent1">
+              <a:shade val="50000"/>
+            </a:schemeClr>
+          </a:lnRef>
+          <a:fillRef idx="1">
+            <a:schemeClr val="accent1"/>
+          </a:fillRef>
+          <a:effectRef idx="0">
+            <a:schemeClr val="accent1"/>
+          </a:effectRef>
+          <a:fontRef idx="minor">
+            <a:schemeClr val="lt1"/>
+          </a:fontRef>
+        </p:style>
+        <p:txBody>
+          <a:bodyPr rtlCol="0" anchor="ctr"/>
+          <a:lstStyle/>
+          <a:p>
+            <a:pPr algn="ctr"/>
+            <a:endParaRPr lang="de-DE"/>
+          </a:p>
+        </p:txBody>
+      </p:sp>
     </p:spTree>
     <p:extLst>
       <p:ext uri="{BB962C8B-B14F-4D97-AF65-F5344CB8AC3E}">
@@ -4352,6 +4404,58 @@
               <a:rPr lang="de-DE" smtClean="0"/>
               <a:t>11</a:t>
             </a:fld>
+            <a:endParaRPr lang="de-DE"/>
+          </a:p>
+        </p:txBody>
+      </p:sp>
+      <p:sp>
+        <p:nvSpPr>
+          <p:cNvPr id="6" name="Rechteck 5"/>
+          <p:cNvSpPr/>
+          <p:nvPr/>
+        </p:nvSpPr>
+        <p:spPr>
+          <a:xfrm>
+            <a:off x="190500" y="6588954"/>
+            <a:ext cx="3240000" cy="108000"/>
+          </a:xfrm>
+          <a:prstGeom prst="rect">
+            <a:avLst/>
+          </a:prstGeom>
+          <a:solidFill>
+            <a:schemeClr val="bg1">
+              <a:lumMod val="50000"/>
+            </a:schemeClr>
+          </a:solidFill>
+          <a:ln>
+            <a:solidFill>
+              <a:schemeClr val="bg1">
+                <a:lumMod val="50000"/>
+              </a:schemeClr>
+            </a:solidFill>
+          </a:ln>
+        </p:spPr>
+        <p:style>
+          <a:lnRef idx="2">
+            <a:schemeClr val="accent1">
+              <a:shade val="50000"/>
+            </a:schemeClr>
+          </a:lnRef>
+          <a:fillRef idx="1">
+            <a:schemeClr val="accent1"/>
+          </a:fillRef>
+          <a:effectRef idx="0">
+            <a:schemeClr val="accent1"/>
+          </a:effectRef>
+          <a:fontRef idx="minor">
+            <a:schemeClr val="lt1"/>
+          </a:fontRef>
+        </p:style>
+        <p:txBody>
+          <a:bodyPr rtlCol="0" anchor="ctr"/>
+          <a:lstStyle/>
+          <a:p>
+            <a:pPr algn="ctr"/>
             <a:endParaRPr lang="de-DE"/>
           </a:p>
         </p:txBody>
@@ -4540,6 +4644,58 @@
           </a:p>
         </p:txBody>
       </p:sp>
+      <p:sp>
+        <p:nvSpPr>
+          <p:cNvPr id="7" name="Rechteck 6"/>
+          <p:cNvSpPr/>
+          <p:nvPr/>
+        </p:nvSpPr>
+        <p:spPr>
+          <a:xfrm>
+            <a:off x="190500" y="6588954"/>
+            <a:ext cx="3564000" cy="108000"/>
+          </a:xfrm>
+          <a:prstGeom prst="rect">
+            <a:avLst/>
+          </a:prstGeom>
+          <a:solidFill>
+            <a:schemeClr val="bg1">
+              <a:lumMod val="50000"/>
+            </a:schemeClr>
+          </a:solidFill>
+          <a:ln>
+            <a:solidFill>
+              <a:schemeClr val="bg1">
+                <a:lumMod val="50000"/>
+              </a:schemeClr>
+            </a:solidFill>
+          </a:ln>
+        </p:spPr>
+        <p:style>
+          <a:lnRef idx="2">
+            <a:schemeClr val="accent1">
+              <a:shade val="50000"/>
+            </a:schemeClr>
+          </a:lnRef>
+          <a:fillRef idx="1">
+            <a:schemeClr val="accent1"/>
+          </a:fillRef>
+          <a:effectRef idx="0">
+            <a:schemeClr val="accent1"/>
+          </a:effectRef>
+          <a:fontRef idx="minor">
+            <a:schemeClr val="lt1"/>
+          </a:fontRef>
+        </p:style>
+        <p:txBody>
+          <a:bodyPr rtlCol="0" anchor="ctr"/>
+          <a:lstStyle/>
+          <a:p>
+            <a:pPr algn="ctr"/>
+            <a:endParaRPr lang="de-DE"/>
+          </a:p>
+        </p:txBody>
+      </p:sp>
     </p:spTree>
     <p:extLst>
       <p:ext uri="{BB962C8B-B14F-4D97-AF65-F5344CB8AC3E}">
@@ -4723,6 +4879,58 @@
               <a:rPr lang="de-DE" smtClean="0"/>
               <a:t>13</a:t>
             </a:fld>
+            <a:endParaRPr lang="de-DE"/>
+          </a:p>
+        </p:txBody>
+      </p:sp>
+      <p:sp>
+        <p:nvSpPr>
+          <p:cNvPr id="6" name="Rechteck 5"/>
+          <p:cNvSpPr/>
+          <p:nvPr/>
+        </p:nvSpPr>
+        <p:spPr>
+          <a:xfrm>
+            <a:off x="190500" y="6588954"/>
+            <a:ext cx="3888000" cy="108000"/>
+          </a:xfrm>
+          <a:prstGeom prst="rect">
+            <a:avLst/>
+          </a:prstGeom>
+          <a:solidFill>
+            <a:schemeClr val="bg1">
+              <a:lumMod val="50000"/>
+            </a:schemeClr>
+          </a:solidFill>
+          <a:ln>
+            <a:solidFill>
+              <a:schemeClr val="bg1">
+                <a:lumMod val="50000"/>
+              </a:schemeClr>
+            </a:solidFill>
+          </a:ln>
+        </p:spPr>
+        <p:style>
+          <a:lnRef idx="2">
+            <a:schemeClr val="accent1">
+              <a:shade val="50000"/>
+            </a:schemeClr>
+          </a:lnRef>
+          <a:fillRef idx="1">
+            <a:schemeClr val="accent1"/>
+          </a:fillRef>
+          <a:effectRef idx="0">
+            <a:schemeClr val="accent1"/>
+          </a:effectRef>
+          <a:fontRef idx="minor">
+            <a:schemeClr val="lt1"/>
+          </a:fontRef>
+        </p:style>
+        <p:txBody>
+          <a:bodyPr rtlCol="0" anchor="ctr"/>
+          <a:lstStyle/>
+          <a:p>
+            <a:pPr algn="ctr"/>
             <a:endParaRPr lang="de-DE"/>
           </a:p>
         </p:txBody>
@@ -4909,6 +5117,58 @@
           </a:p>
         </p:txBody>
       </p:sp>
+      <p:sp>
+        <p:nvSpPr>
+          <p:cNvPr id="7" name="Rechteck 6"/>
+          <p:cNvSpPr/>
+          <p:nvPr/>
+        </p:nvSpPr>
+        <p:spPr>
+          <a:xfrm>
+            <a:off x="190500" y="6588954"/>
+            <a:ext cx="4212000" cy="108000"/>
+          </a:xfrm>
+          <a:prstGeom prst="rect">
+            <a:avLst/>
+          </a:prstGeom>
+          <a:solidFill>
+            <a:schemeClr val="bg1">
+              <a:lumMod val="50000"/>
+            </a:schemeClr>
+          </a:solidFill>
+          <a:ln>
+            <a:solidFill>
+              <a:schemeClr val="bg1">
+                <a:lumMod val="50000"/>
+              </a:schemeClr>
+            </a:solidFill>
+          </a:ln>
+        </p:spPr>
+        <p:style>
+          <a:lnRef idx="2">
+            <a:schemeClr val="accent1">
+              <a:shade val="50000"/>
+            </a:schemeClr>
+          </a:lnRef>
+          <a:fillRef idx="1">
+            <a:schemeClr val="accent1"/>
+          </a:fillRef>
+          <a:effectRef idx="0">
+            <a:schemeClr val="accent1"/>
+          </a:effectRef>
+          <a:fontRef idx="minor">
+            <a:schemeClr val="lt1"/>
+          </a:fontRef>
+        </p:style>
+        <p:txBody>
+          <a:bodyPr rtlCol="0" anchor="ctr"/>
+          <a:lstStyle/>
+          <a:p>
+            <a:pPr algn="ctr"/>
+            <a:endParaRPr lang="de-DE"/>
+          </a:p>
+        </p:txBody>
+      </p:sp>
     </p:spTree>
     <p:extLst>
       <p:ext uri="{BB962C8B-B14F-4D97-AF65-F5344CB8AC3E}">
@@ -5113,6 +5373,58 @@
               <a:rPr lang="de-DE" smtClean="0"/>
               <a:t>15</a:t>
             </a:fld>
+            <a:endParaRPr lang="de-DE"/>
+          </a:p>
+        </p:txBody>
+      </p:sp>
+      <p:sp>
+        <p:nvSpPr>
+          <p:cNvPr id="6" name="Rechteck 5"/>
+          <p:cNvSpPr/>
+          <p:nvPr/>
+        </p:nvSpPr>
+        <p:spPr>
+          <a:xfrm>
+            <a:off x="190500" y="6588954"/>
+            <a:ext cx="4536000" cy="108000"/>
+          </a:xfrm>
+          <a:prstGeom prst="rect">
+            <a:avLst/>
+          </a:prstGeom>
+          <a:solidFill>
+            <a:schemeClr val="bg1">
+              <a:lumMod val="50000"/>
+            </a:schemeClr>
+          </a:solidFill>
+          <a:ln>
+            <a:solidFill>
+              <a:schemeClr val="bg1">
+                <a:lumMod val="50000"/>
+              </a:schemeClr>
+            </a:solidFill>
+          </a:ln>
+        </p:spPr>
+        <p:style>
+          <a:lnRef idx="2">
+            <a:schemeClr val="accent1">
+              <a:shade val="50000"/>
+            </a:schemeClr>
+          </a:lnRef>
+          <a:fillRef idx="1">
+            <a:schemeClr val="accent1"/>
+          </a:fillRef>
+          <a:effectRef idx="0">
+            <a:schemeClr val="accent1"/>
+          </a:effectRef>
+          <a:fontRef idx="minor">
+            <a:schemeClr val="lt1"/>
+          </a:fontRef>
+        </p:style>
+        <p:txBody>
+          <a:bodyPr rtlCol="0" anchor="ctr"/>
+          <a:lstStyle/>
+          <a:p>
+            <a:pPr algn="ctr"/>
             <a:endParaRPr lang="de-DE"/>
           </a:p>
         </p:txBody>
@@ -5302,6 +5614,58 @@
           </a:p>
         </p:txBody>
       </p:sp>
+      <p:sp>
+        <p:nvSpPr>
+          <p:cNvPr id="7" name="Rechteck 6"/>
+          <p:cNvSpPr/>
+          <p:nvPr/>
+        </p:nvSpPr>
+        <p:spPr>
+          <a:xfrm>
+            <a:off x="190500" y="6588954"/>
+            <a:ext cx="4860000" cy="108000"/>
+          </a:xfrm>
+          <a:prstGeom prst="rect">
+            <a:avLst/>
+          </a:prstGeom>
+          <a:solidFill>
+            <a:schemeClr val="bg1">
+              <a:lumMod val="50000"/>
+            </a:schemeClr>
+          </a:solidFill>
+          <a:ln>
+            <a:solidFill>
+              <a:schemeClr val="bg1">
+                <a:lumMod val="50000"/>
+              </a:schemeClr>
+            </a:solidFill>
+          </a:ln>
+        </p:spPr>
+        <p:style>
+          <a:lnRef idx="2">
+            <a:schemeClr val="accent1">
+              <a:shade val="50000"/>
+            </a:schemeClr>
+          </a:lnRef>
+          <a:fillRef idx="1">
+            <a:schemeClr val="accent1"/>
+          </a:fillRef>
+          <a:effectRef idx="0">
+            <a:schemeClr val="accent1"/>
+          </a:effectRef>
+          <a:fontRef idx="minor">
+            <a:schemeClr val="lt1"/>
+          </a:fontRef>
+        </p:style>
+        <p:txBody>
+          <a:bodyPr rtlCol="0" anchor="ctr"/>
+          <a:lstStyle/>
+          <a:p>
+            <a:pPr algn="ctr"/>
+            <a:endParaRPr lang="de-DE"/>
+          </a:p>
+        </p:txBody>
+      </p:sp>
     </p:spTree>
     <p:extLst>
       <p:ext uri="{BB962C8B-B14F-4D97-AF65-F5344CB8AC3E}">
@@ -5484,6 +5848,58 @@
           </a:p>
         </p:txBody>
       </p:sp>
+      <p:sp>
+        <p:nvSpPr>
+          <p:cNvPr id="7" name="Rechteck 6"/>
+          <p:cNvSpPr/>
+          <p:nvPr/>
+        </p:nvSpPr>
+        <p:spPr>
+          <a:xfrm>
+            <a:off x="190500" y="6588954"/>
+            <a:ext cx="5184000" cy="108000"/>
+          </a:xfrm>
+          <a:prstGeom prst="rect">
+            <a:avLst/>
+          </a:prstGeom>
+          <a:solidFill>
+            <a:schemeClr val="bg1">
+              <a:lumMod val="50000"/>
+            </a:schemeClr>
+          </a:solidFill>
+          <a:ln>
+            <a:solidFill>
+              <a:schemeClr val="bg1">
+                <a:lumMod val="50000"/>
+              </a:schemeClr>
+            </a:solidFill>
+          </a:ln>
+        </p:spPr>
+        <p:style>
+          <a:lnRef idx="2">
+            <a:schemeClr val="accent1">
+              <a:shade val="50000"/>
+            </a:schemeClr>
+          </a:lnRef>
+          <a:fillRef idx="1">
+            <a:schemeClr val="accent1"/>
+          </a:fillRef>
+          <a:effectRef idx="0">
+            <a:schemeClr val="accent1"/>
+          </a:effectRef>
+          <a:fontRef idx="minor">
+            <a:schemeClr val="lt1"/>
+          </a:fontRef>
+        </p:style>
+        <p:txBody>
+          <a:bodyPr rtlCol="0" anchor="ctr"/>
+          <a:lstStyle/>
+          <a:p>
+            <a:pPr algn="ctr"/>
+            <a:endParaRPr lang="de-DE"/>
+          </a:p>
+        </p:txBody>
+      </p:sp>
     </p:spTree>
     <p:extLst>
       <p:ext uri="{BB962C8B-B14F-4D97-AF65-F5344CB8AC3E}">
@@ -5678,6 +6094,58 @@
           </a:p>
         </p:txBody>
       </p:sp>
+      <p:sp>
+        <p:nvSpPr>
+          <p:cNvPr id="6" name="Rechteck 5"/>
+          <p:cNvSpPr/>
+          <p:nvPr/>
+        </p:nvSpPr>
+        <p:spPr>
+          <a:xfrm>
+            <a:off x="190500" y="6588954"/>
+            <a:ext cx="5508000" cy="108000"/>
+          </a:xfrm>
+          <a:prstGeom prst="rect">
+            <a:avLst/>
+          </a:prstGeom>
+          <a:solidFill>
+            <a:schemeClr val="bg1">
+              <a:lumMod val="50000"/>
+            </a:schemeClr>
+          </a:solidFill>
+          <a:ln>
+            <a:solidFill>
+              <a:schemeClr val="bg1">
+                <a:lumMod val="50000"/>
+              </a:schemeClr>
+            </a:solidFill>
+          </a:ln>
+        </p:spPr>
+        <p:style>
+          <a:lnRef idx="2">
+            <a:schemeClr val="accent1">
+              <a:shade val="50000"/>
+            </a:schemeClr>
+          </a:lnRef>
+          <a:fillRef idx="1">
+            <a:schemeClr val="accent1"/>
+          </a:fillRef>
+          <a:effectRef idx="0">
+            <a:schemeClr val="accent1"/>
+          </a:effectRef>
+          <a:fontRef idx="minor">
+            <a:schemeClr val="lt1"/>
+          </a:fontRef>
+        </p:style>
+        <p:txBody>
+          <a:bodyPr rtlCol="0" anchor="ctr"/>
+          <a:lstStyle/>
+          <a:p>
+            <a:pPr algn="ctr"/>
+            <a:endParaRPr lang="de-DE"/>
+          </a:p>
+        </p:txBody>
+      </p:sp>
     </p:spTree>
     <p:extLst>
       <p:ext uri="{BB962C8B-B14F-4D97-AF65-F5344CB8AC3E}">
@@ -5938,6 +6406,58 @@
           </a:p>
         </p:txBody>
       </p:sp>
+      <p:sp>
+        <p:nvSpPr>
+          <p:cNvPr id="6" name="Rechteck 5"/>
+          <p:cNvSpPr/>
+          <p:nvPr/>
+        </p:nvSpPr>
+        <p:spPr>
+          <a:xfrm>
+            <a:off x="190500" y="6588954"/>
+            <a:ext cx="5832000" cy="108000"/>
+          </a:xfrm>
+          <a:prstGeom prst="rect">
+            <a:avLst/>
+          </a:prstGeom>
+          <a:solidFill>
+            <a:schemeClr val="bg1">
+              <a:lumMod val="50000"/>
+            </a:schemeClr>
+          </a:solidFill>
+          <a:ln>
+            <a:solidFill>
+              <a:schemeClr val="bg1">
+                <a:lumMod val="50000"/>
+              </a:schemeClr>
+            </a:solidFill>
+          </a:ln>
+        </p:spPr>
+        <p:style>
+          <a:lnRef idx="2">
+            <a:schemeClr val="accent1">
+              <a:shade val="50000"/>
+            </a:schemeClr>
+          </a:lnRef>
+          <a:fillRef idx="1">
+            <a:schemeClr val="accent1"/>
+          </a:fillRef>
+          <a:effectRef idx="0">
+            <a:schemeClr val="accent1"/>
+          </a:effectRef>
+          <a:fontRef idx="minor">
+            <a:schemeClr val="lt1"/>
+          </a:fontRef>
+        </p:style>
+        <p:txBody>
+          <a:bodyPr rtlCol="0" anchor="ctr"/>
+          <a:lstStyle/>
+          <a:p>
+            <a:pPr algn="ctr"/>
+            <a:endParaRPr lang="de-DE"/>
+          </a:p>
+        </p:txBody>
+      </p:sp>
     </p:spTree>
     <p:extLst>
       <p:ext uri="{BB962C8B-B14F-4D97-AF65-F5344CB8AC3E}">
@@ -6267,6 +6787,58 @@
               <a:t>2</a:t>
             </a:fld>
             <a:endParaRPr lang="de-DE" dirty="0"/>
+          </a:p>
+        </p:txBody>
+      </p:sp>
+      <p:sp>
+        <p:nvSpPr>
+          <p:cNvPr id="6" name="Rechteck 5"/>
+          <p:cNvSpPr/>
+          <p:nvPr/>
+        </p:nvSpPr>
+        <p:spPr>
+          <a:xfrm>
+            <a:off x="190500" y="6588954"/>
+            <a:ext cx="324000" cy="108000"/>
+          </a:xfrm>
+          <a:prstGeom prst="rect">
+            <a:avLst/>
+          </a:prstGeom>
+          <a:solidFill>
+            <a:schemeClr val="bg1">
+              <a:lumMod val="50000"/>
+            </a:schemeClr>
+          </a:solidFill>
+          <a:ln>
+            <a:solidFill>
+              <a:schemeClr val="bg1">
+                <a:lumMod val="50000"/>
+              </a:schemeClr>
+            </a:solidFill>
+          </a:ln>
+        </p:spPr>
+        <p:style>
+          <a:lnRef idx="2">
+            <a:schemeClr val="accent1">
+              <a:shade val="50000"/>
+            </a:schemeClr>
+          </a:lnRef>
+          <a:fillRef idx="1">
+            <a:schemeClr val="accent1"/>
+          </a:fillRef>
+          <a:effectRef idx="0">
+            <a:schemeClr val="accent1"/>
+          </a:effectRef>
+          <a:fontRef idx="minor">
+            <a:schemeClr val="lt1"/>
+          </a:fontRef>
+        </p:style>
+        <p:txBody>
+          <a:bodyPr rtlCol="0" anchor="ctr"/>
+          <a:lstStyle/>
+          <a:p>
+            <a:pPr algn="ctr"/>
+            <a:endParaRPr lang="de-DE"/>
           </a:p>
         </p:txBody>
       </p:sp>
@@ -6453,6 +7025,58 @@
           </a:p>
         </p:txBody>
       </p:sp>
+      <p:sp>
+        <p:nvSpPr>
+          <p:cNvPr id="7" name="Rechteck 6"/>
+          <p:cNvSpPr/>
+          <p:nvPr/>
+        </p:nvSpPr>
+        <p:spPr>
+          <a:xfrm>
+            <a:off x="190500" y="6588954"/>
+            <a:ext cx="6156000" cy="108000"/>
+          </a:xfrm>
+          <a:prstGeom prst="rect">
+            <a:avLst/>
+          </a:prstGeom>
+          <a:solidFill>
+            <a:schemeClr val="bg1">
+              <a:lumMod val="50000"/>
+            </a:schemeClr>
+          </a:solidFill>
+          <a:ln>
+            <a:solidFill>
+              <a:schemeClr val="bg1">
+                <a:lumMod val="50000"/>
+              </a:schemeClr>
+            </a:solidFill>
+          </a:ln>
+        </p:spPr>
+        <p:style>
+          <a:lnRef idx="2">
+            <a:schemeClr val="accent1">
+              <a:shade val="50000"/>
+            </a:schemeClr>
+          </a:lnRef>
+          <a:fillRef idx="1">
+            <a:schemeClr val="accent1"/>
+          </a:fillRef>
+          <a:effectRef idx="0">
+            <a:schemeClr val="accent1"/>
+          </a:effectRef>
+          <a:fontRef idx="minor">
+            <a:schemeClr val="lt1"/>
+          </a:fontRef>
+        </p:style>
+        <p:txBody>
+          <a:bodyPr rtlCol="0" anchor="ctr"/>
+          <a:lstStyle/>
+          <a:p>
+            <a:pPr algn="ctr"/>
+            <a:endParaRPr lang="de-DE"/>
+          </a:p>
+        </p:txBody>
+      </p:sp>
     </p:spTree>
     <p:extLst>
       <p:ext uri="{BB962C8B-B14F-4D97-AF65-F5344CB8AC3E}">
@@ -6635,6 +7259,58 @@
           </a:p>
         </p:txBody>
       </p:sp>
+      <p:sp>
+        <p:nvSpPr>
+          <p:cNvPr id="7" name="Rechteck 6"/>
+          <p:cNvSpPr/>
+          <p:nvPr/>
+        </p:nvSpPr>
+        <p:spPr>
+          <a:xfrm>
+            <a:off x="190500" y="6588954"/>
+            <a:ext cx="6480000" cy="108000"/>
+          </a:xfrm>
+          <a:prstGeom prst="rect">
+            <a:avLst/>
+          </a:prstGeom>
+          <a:solidFill>
+            <a:schemeClr val="bg1">
+              <a:lumMod val="50000"/>
+            </a:schemeClr>
+          </a:solidFill>
+          <a:ln>
+            <a:solidFill>
+              <a:schemeClr val="bg1">
+                <a:lumMod val="50000"/>
+              </a:schemeClr>
+            </a:solidFill>
+          </a:ln>
+        </p:spPr>
+        <p:style>
+          <a:lnRef idx="2">
+            <a:schemeClr val="accent1">
+              <a:shade val="50000"/>
+            </a:schemeClr>
+          </a:lnRef>
+          <a:fillRef idx="1">
+            <a:schemeClr val="accent1"/>
+          </a:fillRef>
+          <a:effectRef idx="0">
+            <a:schemeClr val="accent1"/>
+          </a:effectRef>
+          <a:fontRef idx="minor">
+            <a:schemeClr val="lt1"/>
+          </a:fontRef>
+        </p:style>
+        <p:txBody>
+          <a:bodyPr rtlCol="0" anchor="ctr"/>
+          <a:lstStyle/>
+          <a:p>
+            <a:pPr algn="ctr"/>
+            <a:endParaRPr lang="de-DE"/>
+          </a:p>
+        </p:txBody>
+      </p:sp>
     </p:spTree>
     <p:extLst>
       <p:ext uri="{BB962C8B-B14F-4D97-AF65-F5344CB8AC3E}">
@@ -6869,6 +7545,58 @@
           </a:prstGeom>
         </p:spPr>
       </p:pic>
+      <p:sp>
+        <p:nvSpPr>
+          <p:cNvPr id="9" name="Rechteck 8"/>
+          <p:cNvSpPr/>
+          <p:nvPr/>
+        </p:nvSpPr>
+        <p:spPr>
+          <a:xfrm>
+            <a:off x="190500" y="6588954"/>
+            <a:ext cx="6804000" cy="108000"/>
+          </a:xfrm>
+          <a:prstGeom prst="rect">
+            <a:avLst/>
+          </a:prstGeom>
+          <a:solidFill>
+            <a:schemeClr val="bg1">
+              <a:lumMod val="50000"/>
+            </a:schemeClr>
+          </a:solidFill>
+          <a:ln>
+            <a:solidFill>
+              <a:schemeClr val="bg1">
+                <a:lumMod val="50000"/>
+              </a:schemeClr>
+            </a:solidFill>
+          </a:ln>
+        </p:spPr>
+        <p:style>
+          <a:lnRef idx="2">
+            <a:schemeClr val="accent1">
+              <a:shade val="50000"/>
+            </a:schemeClr>
+          </a:lnRef>
+          <a:fillRef idx="1">
+            <a:schemeClr val="accent1"/>
+          </a:fillRef>
+          <a:effectRef idx="0">
+            <a:schemeClr val="accent1"/>
+          </a:effectRef>
+          <a:fontRef idx="minor">
+            <a:schemeClr val="lt1"/>
+          </a:fontRef>
+        </p:style>
+        <p:txBody>
+          <a:bodyPr rtlCol="0" anchor="ctr"/>
+          <a:lstStyle/>
+          <a:p>
+            <a:pPr algn="ctr"/>
+            <a:endParaRPr lang="de-DE"/>
+          </a:p>
+        </p:txBody>
+      </p:sp>
     </p:spTree>
     <p:extLst>
       <p:ext uri="{BB962C8B-B14F-4D97-AF65-F5344CB8AC3E}">
@@ -7136,6 +7864,58 @@
           </a:p>
         </p:txBody>
       </p:sp>
+      <p:sp>
+        <p:nvSpPr>
+          <p:cNvPr id="6" name="Rechteck 5"/>
+          <p:cNvSpPr/>
+          <p:nvPr/>
+        </p:nvSpPr>
+        <p:spPr>
+          <a:xfrm>
+            <a:off x="190500" y="6588954"/>
+            <a:ext cx="7128000" cy="108000"/>
+          </a:xfrm>
+          <a:prstGeom prst="rect">
+            <a:avLst/>
+          </a:prstGeom>
+          <a:solidFill>
+            <a:schemeClr val="bg1">
+              <a:lumMod val="50000"/>
+            </a:schemeClr>
+          </a:solidFill>
+          <a:ln>
+            <a:solidFill>
+              <a:schemeClr val="bg1">
+                <a:lumMod val="50000"/>
+              </a:schemeClr>
+            </a:solidFill>
+          </a:ln>
+        </p:spPr>
+        <p:style>
+          <a:lnRef idx="2">
+            <a:schemeClr val="accent1">
+              <a:shade val="50000"/>
+            </a:schemeClr>
+          </a:lnRef>
+          <a:fillRef idx="1">
+            <a:schemeClr val="accent1"/>
+          </a:fillRef>
+          <a:effectRef idx="0">
+            <a:schemeClr val="accent1"/>
+          </a:effectRef>
+          <a:fontRef idx="minor">
+            <a:schemeClr val="lt1"/>
+          </a:fontRef>
+        </p:style>
+        <p:txBody>
+          <a:bodyPr rtlCol="0" anchor="ctr"/>
+          <a:lstStyle/>
+          <a:p>
+            <a:pPr algn="ctr"/>
+            <a:endParaRPr lang="de-DE"/>
+          </a:p>
+        </p:txBody>
+      </p:sp>
     </p:spTree>
     <p:extLst>
       <p:ext uri="{BB962C8B-B14F-4D97-AF65-F5344CB8AC3E}">
@@ -7453,6 +8233,58 @@
           </a:p>
         </p:txBody>
       </p:sp>
+      <p:sp>
+        <p:nvSpPr>
+          <p:cNvPr id="6" name="Rechteck 5"/>
+          <p:cNvSpPr/>
+          <p:nvPr/>
+        </p:nvSpPr>
+        <p:spPr>
+          <a:xfrm>
+            <a:off x="190500" y="6588954"/>
+            <a:ext cx="7452000" cy="108000"/>
+          </a:xfrm>
+          <a:prstGeom prst="rect">
+            <a:avLst/>
+          </a:prstGeom>
+          <a:solidFill>
+            <a:schemeClr val="bg1">
+              <a:lumMod val="50000"/>
+            </a:schemeClr>
+          </a:solidFill>
+          <a:ln>
+            <a:solidFill>
+              <a:schemeClr val="bg1">
+                <a:lumMod val="50000"/>
+              </a:schemeClr>
+            </a:solidFill>
+          </a:ln>
+        </p:spPr>
+        <p:style>
+          <a:lnRef idx="2">
+            <a:schemeClr val="accent1">
+              <a:shade val="50000"/>
+            </a:schemeClr>
+          </a:lnRef>
+          <a:fillRef idx="1">
+            <a:schemeClr val="accent1"/>
+          </a:fillRef>
+          <a:effectRef idx="0">
+            <a:schemeClr val="accent1"/>
+          </a:effectRef>
+          <a:fontRef idx="minor">
+            <a:schemeClr val="lt1"/>
+          </a:fontRef>
+        </p:style>
+        <p:txBody>
+          <a:bodyPr rtlCol="0" anchor="ctr"/>
+          <a:lstStyle/>
+          <a:p>
+            <a:pPr algn="ctr"/>
+            <a:endParaRPr lang="de-DE"/>
+          </a:p>
+        </p:txBody>
+      </p:sp>
     </p:spTree>
     <p:extLst>
       <p:ext uri="{BB962C8B-B14F-4D97-AF65-F5344CB8AC3E}">
@@ -7781,6 +8613,58 @@
           </a:p>
         </p:txBody>
       </p:sp>
+      <p:sp>
+        <p:nvSpPr>
+          <p:cNvPr id="6" name="Rechteck 5"/>
+          <p:cNvSpPr/>
+          <p:nvPr/>
+        </p:nvSpPr>
+        <p:spPr>
+          <a:xfrm>
+            <a:off x="190500" y="6588954"/>
+            <a:ext cx="7776000" cy="108000"/>
+          </a:xfrm>
+          <a:prstGeom prst="rect">
+            <a:avLst/>
+          </a:prstGeom>
+          <a:solidFill>
+            <a:schemeClr val="bg1">
+              <a:lumMod val="50000"/>
+            </a:schemeClr>
+          </a:solidFill>
+          <a:ln>
+            <a:solidFill>
+              <a:schemeClr val="bg1">
+                <a:lumMod val="50000"/>
+              </a:schemeClr>
+            </a:solidFill>
+          </a:ln>
+        </p:spPr>
+        <p:style>
+          <a:lnRef idx="2">
+            <a:schemeClr val="accent1">
+              <a:shade val="50000"/>
+            </a:schemeClr>
+          </a:lnRef>
+          <a:fillRef idx="1">
+            <a:schemeClr val="accent1"/>
+          </a:fillRef>
+          <a:effectRef idx="0">
+            <a:schemeClr val="accent1"/>
+          </a:effectRef>
+          <a:fontRef idx="minor">
+            <a:schemeClr val="lt1"/>
+          </a:fontRef>
+        </p:style>
+        <p:txBody>
+          <a:bodyPr rtlCol="0" anchor="ctr"/>
+          <a:lstStyle/>
+          <a:p>
+            <a:pPr algn="ctr"/>
+            <a:endParaRPr lang="de-DE"/>
+          </a:p>
+        </p:txBody>
+      </p:sp>
     </p:spTree>
     <p:extLst>
       <p:ext uri="{BB962C8B-B14F-4D97-AF65-F5344CB8AC3E}">
@@ -7986,6 +8870,58 @@
           </a:p>
         </p:txBody>
       </p:sp>
+      <p:sp>
+        <p:nvSpPr>
+          <p:cNvPr id="8" name="Rechteck 7"/>
+          <p:cNvSpPr/>
+          <p:nvPr/>
+        </p:nvSpPr>
+        <p:spPr>
+          <a:xfrm>
+            <a:off x="190500" y="6588954"/>
+            <a:ext cx="8100000" cy="108000"/>
+          </a:xfrm>
+          <a:prstGeom prst="rect">
+            <a:avLst/>
+          </a:prstGeom>
+          <a:solidFill>
+            <a:schemeClr val="bg1">
+              <a:lumMod val="50000"/>
+            </a:schemeClr>
+          </a:solidFill>
+          <a:ln>
+            <a:solidFill>
+              <a:schemeClr val="bg1">
+                <a:lumMod val="50000"/>
+              </a:schemeClr>
+            </a:solidFill>
+          </a:ln>
+        </p:spPr>
+        <p:style>
+          <a:lnRef idx="2">
+            <a:schemeClr val="accent1">
+              <a:shade val="50000"/>
+            </a:schemeClr>
+          </a:lnRef>
+          <a:fillRef idx="1">
+            <a:schemeClr val="accent1"/>
+          </a:fillRef>
+          <a:effectRef idx="0">
+            <a:schemeClr val="accent1"/>
+          </a:effectRef>
+          <a:fontRef idx="minor">
+            <a:schemeClr val="lt1"/>
+          </a:fontRef>
+        </p:style>
+        <p:txBody>
+          <a:bodyPr rtlCol="0" anchor="ctr"/>
+          <a:lstStyle/>
+          <a:p>
+            <a:pPr algn="ctr"/>
+            <a:endParaRPr lang="de-DE"/>
+          </a:p>
+        </p:txBody>
+      </p:sp>
     </p:spTree>
     <p:extLst>
       <p:ext uri="{BB962C8B-B14F-4D97-AF65-F5344CB8AC3E}">
@@ -8295,6 +9231,58 @@
           </a:p>
         </p:txBody>
       </p:sp>
+      <p:sp>
+        <p:nvSpPr>
+          <p:cNvPr id="6" name="Rechteck 5"/>
+          <p:cNvSpPr/>
+          <p:nvPr/>
+        </p:nvSpPr>
+        <p:spPr>
+          <a:xfrm>
+            <a:off x="190500" y="6588954"/>
+            <a:ext cx="8424000" cy="108000"/>
+          </a:xfrm>
+          <a:prstGeom prst="rect">
+            <a:avLst/>
+          </a:prstGeom>
+          <a:solidFill>
+            <a:schemeClr val="bg1">
+              <a:lumMod val="50000"/>
+            </a:schemeClr>
+          </a:solidFill>
+          <a:ln>
+            <a:solidFill>
+              <a:schemeClr val="bg1">
+                <a:lumMod val="50000"/>
+              </a:schemeClr>
+            </a:solidFill>
+          </a:ln>
+        </p:spPr>
+        <p:style>
+          <a:lnRef idx="2">
+            <a:schemeClr val="accent1">
+              <a:shade val="50000"/>
+            </a:schemeClr>
+          </a:lnRef>
+          <a:fillRef idx="1">
+            <a:schemeClr val="accent1"/>
+          </a:fillRef>
+          <a:effectRef idx="0">
+            <a:schemeClr val="accent1"/>
+          </a:effectRef>
+          <a:fontRef idx="minor">
+            <a:schemeClr val="lt1"/>
+          </a:fontRef>
+        </p:style>
+        <p:txBody>
+          <a:bodyPr rtlCol="0" anchor="ctr"/>
+          <a:lstStyle/>
+          <a:p>
+            <a:pPr algn="ctr"/>
+            <a:endParaRPr lang="de-DE"/>
+          </a:p>
+        </p:txBody>
+      </p:sp>
     </p:spTree>
     <p:extLst>
       <p:ext uri="{BB962C8B-B14F-4D97-AF65-F5344CB8AC3E}">
@@ -8524,6 +9512,58 @@
           </a:p>
         </p:txBody>
       </p:sp>
+      <p:sp>
+        <p:nvSpPr>
+          <p:cNvPr id="6" name="Rechteck 5"/>
+          <p:cNvSpPr/>
+          <p:nvPr/>
+        </p:nvSpPr>
+        <p:spPr>
+          <a:xfrm>
+            <a:off x="190500" y="6588954"/>
+            <a:ext cx="8784000" cy="108000"/>
+          </a:xfrm>
+          <a:prstGeom prst="rect">
+            <a:avLst/>
+          </a:prstGeom>
+          <a:solidFill>
+            <a:schemeClr val="bg1">
+              <a:lumMod val="50000"/>
+            </a:schemeClr>
+          </a:solidFill>
+          <a:ln>
+            <a:solidFill>
+              <a:schemeClr val="bg1">
+                <a:lumMod val="50000"/>
+              </a:schemeClr>
+            </a:solidFill>
+          </a:ln>
+        </p:spPr>
+        <p:style>
+          <a:lnRef idx="2">
+            <a:schemeClr val="accent1">
+              <a:shade val="50000"/>
+            </a:schemeClr>
+          </a:lnRef>
+          <a:fillRef idx="1">
+            <a:schemeClr val="accent1"/>
+          </a:fillRef>
+          <a:effectRef idx="0">
+            <a:schemeClr val="accent1"/>
+          </a:effectRef>
+          <a:fontRef idx="minor">
+            <a:schemeClr val="lt1"/>
+          </a:fontRef>
+        </p:style>
+        <p:txBody>
+          <a:bodyPr rtlCol="0" anchor="ctr"/>
+          <a:lstStyle/>
+          <a:p>
+            <a:pPr algn="ctr"/>
+            <a:endParaRPr lang="de-DE"/>
+          </a:p>
+        </p:txBody>
+      </p:sp>
     </p:spTree>
     <p:extLst>
       <p:ext uri="{BB962C8B-B14F-4D97-AF65-F5344CB8AC3E}">
@@ -8914,6 +9954,58 @@
           </a:p>
         </p:txBody>
       </p:sp>
+      <p:sp>
+        <p:nvSpPr>
+          <p:cNvPr id="6" name="Rechteck 5"/>
+          <p:cNvSpPr/>
+          <p:nvPr/>
+        </p:nvSpPr>
+        <p:spPr>
+          <a:xfrm>
+            <a:off x="190500" y="6588954"/>
+            <a:ext cx="648000" cy="108000"/>
+          </a:xfrm>
+          <a:prstGeom prst="rect">
+            <a:avLst/>
+          </a:prstGeom>
+          <a:solidFill>
+            <a:schemeClr val="bg1">
+              <a:lumMod val="50000"/>
+            </a:schemeClr>
+          </a:solidFill>
+          <a:ln>
+            <a:solidFill>
+              <a:schemeClr val="bg1">
+                <a:lumMod val="50000"/>
+              </a:schemeClr>
+            </a:solidFill>
+          </a:ln>
+        </p:spPr>
+        <p:style>
+          <a:lnRef idx="2">
+            <a:schemeClr val="accent1">
+              <a:shade val="50000"/>
+            </a:schemeClr>
+          </a:lnRef>
+          <a:fillRef idx="1">
+            <a:schemeClr val="accent1"/>
+          </a:fillRef>
+          <a:effectRef idx="0">
+            <a:schemeClr val="accent1"/>
+          </a:effectRef>
+          <a:fontRef idx="minor">
+            <a:schemeClr val="lt1"/>
+          </a:fontRef>
+        </p:style>
+        <p:txBody>
+          <a:bodyPr rtlCol="0" anchor="ctr"/>
+          <a:lstStyle/>
+          <a:p>
+            <a:pPr algn="ctr"/>
+            <a:endParaRPr lang="de-DE"/>
+          </a:p>
+        </p:txBody>
+      </p:sp>
     </p:spTree>
     <p:extLst>
       <p:ext uri="{BB962C8B-B14F-4D97-AF65-F5344CB8AC3E}">
@@ -9102,6 +10194,58 @@
               <a:rPr lang="de-DE" smtClean="0"/>
               <a:t>4</a:t>
             </a:fld>
+            <a:endParaRPr lang="de-DE"/>
+          </a:p>
+        </p:txBody>
+      </p:sp>
+      <p:sp>
+        <p:nvSpPr>
+          <p:cNvPr id="6" name="Rechteck 5"/>
+          <p:cNvSpPr/>
+          <p:nvPr/>
+        </p:nvSpPr>
+        <p:spPr>
+          <a:xfrm>
+            <a:off x="190500" y="6588954"/>
+            <a:ext cx="972000" cy="108000"/>
+          </a:xfrm>
+          <a:prstGeom prst="rect">
+            <a:avLst/>
+          </a:prstGeom>
+          <a:solidFill>
+            <a:schemeClr val="bg1">
+              <a:lumMod val="50000"/>
+            </a:schemeClr>
+          </a:solidFill>
+          <a:ln>
+            <a:solidFill>
+              <a:schemeClr val="bg1">
+                <a:lumMod val="50000"/>
+              </a:schemeClr>
+            </a:solidFill>
+          </a:ln>
+        </p:spPr>
+        <p:style>
+          <a:lnRef idx="2">
+            <a:schemeClr val="accent1">
+              <a:shade val="50000"/>
+            </a:schemeClr>
+          </a:lnRef>
+          <a:fillRef idx="1">
+            <a:schemeClr val="accent1"/>
+          </a:fillRef>
+          <a:effectRef idx="0">
+            <a:schemeClr val="accent1"/>
+          </a:effectRef>
+          <a:fontRef idx="minor">
+            <a:schemeClr val="lt1"/>
+          </a:fontRef>
+        </p:style>
+        <p:txBody>
+          <a:bodyPr rtlCol="0" anchor="ctr"/>
+          <a:lstStyle/>
+          <a:p>
+            <a:pPr algn="ctr"/>
             <a:endParaRPr lang="de-DE"/>
           </a:p>
         </p:txBody>
@@ -9301,6 +10445,58 @@
           </a:p>
         </p:txBody>
       </p:sp>
+      <p:sp>
+        <p:nvSpPr>
+          <p:cNvPr id="8" name="Rechteck 7"/>
+          <p:cNvSpPr/>
+          <p:nvPr/>
+        </p:nvSpPr>
+        <p:spPr>
+          <a:xfrm>
+            <a:off x="190500" y="6588954"/>
+            <a:ext cx="1296000" cy="108000"/>
+          </a:xfrm>
+          <a:prstGeom prst="rect">
+            <a:avLst/>
+          </a:prstGeom>
+          <a:solidFill>
+            <a:schemeClr val="bg1">
+              <a:lumMod val="50000"/>
+            </a:schemeClr>
+          </a:solidFill>
+          <a:ln>
+            <a:solidFill>
+              <a:schemeClr val="bg1">
+                <a:lumMod val="50000"/>
+              </a:schemeClr>
+            </a:solidFill>
+          </a:ln>
+        </p:spPr>
+        <p:style>
+          <a:lnRef idx="2">
+            <a:schemeClr val="accent1">
+              <a:shade val="50000"/>
+            </a:schemeClr>
+          </a:lnRef>
+          <a:fillRef idx="1">
+            <a:schemeClr val="accent1"/>
+          </a:fillRef>
+          <a:effectRef idx="0">
+            <a:schemeClr val="accent1"/>
+          </a:effectRef>
+          <a:fontRef idx="minor">
+            <a:schemeClr val="lt1"/>
+          </a:fontRef>
+        </p:style>
+        <p:txBody>
+          <a:bodyPr rtlCol="0" anchor="ctr"/>
+          <a:lstStyle/>
+          <a:p>
+            <a:pPr algn="ctr"/>
+            <a:endParaRPr lang="de-DE"/>
+          </a:p>
+        </p:txBody>
+      </p:sp>
     </p:spTree>
     <p:extLst>
       <p:ext uri="{BB962C8B-B14F-4D97-AF65-F5344CB8AC3E}">
@@ -9532,6 +10728,58 @@
               <a:rPr lang="de-DE" smtClean="0"/>
               <a:t>6</a:t>
             </a:fld>
+            <a:endParaRPr lang="de-DE"/>
+          </a:p>
+        </p:txBody>
+      </p:sp>
+      <p:sp>
+        <p:nvSpPr>
+          <p:cNvPr id="6" name="Rechteck 5"/>
+          <p:cNvSpPr/>
+          <p:nvPr/>
+        </p:nvSpPr>
+        <p:spPr>
+          <a:xfrm>
+            <a:off x="190500" y="6588954"/>
+            <a:ext cx="1620000" cy="108000"/>
+          </a:xfrm>
+          <a:prstGeom prst="rect">
+            <a:avLst/>
+          </a:prstGeom>
+          <a:solidFill>
+            <a:schemeClr val="bg1">
+              <a:lumMod val="50000"/>
+            </a:schemeClr>
+          </a:solidFill>
+          <a:ln>
+            <a:solidFill>
+              <a:schemeClr val="bg1">
+                <a:lumMod val="50000"/>
+              </a:schemeClr>
+            </a:solidFill>
+          </a:ln>
+        </p:spPr>
+        <p:style>
+          <a:lnRef idx="2">
+            <a:schemeClr val="accent1">
+              <a:shade val="50000"/>
+            </a:schemeClr>
+          </a:lnRef>
+          <a:fillRef idx="1">
+            <a:schemeClr val="accent1"/>
+          </a:fillRef>
+          <a:effectRef idx="0">
+            <a:schemeClr val="accent1"/>
+          </a:effectRef>
+          <a:fontRef idx="minor">
+            <a:schemeClr val="lt1"/>
+          </a:fontRef>
+        </p:style>
+        <p:txBody>
+          <a:bodyPr rtlCol="0" anchor="ctr"/>
+          <a:lstStyle/>
+          <a:p>
+            <a:pPr algn="ctr"/>
             <a:endParaRPr lang="de-DE"/>
           </a:p>
         </p:txBody>
@@ -9732,6 +10980,58 @@
           </a:p>
         </p:txBody>
       </p:sp>
+      <p:sp>
+        <p:nvSpPr>
+          <p:cNvPr id="7" name="Rechteck 6"/>
+          <p:cNvSpPr/>
+          <p:nvPr/>
+        </p:nvSpPr>
+        <p:spPr>
+          <a:xfrm>
+            <a:off x="190500" y="6588954"/>
+            <a:ext cx="1944000" cy="108000"/>
+          </a:xfrm>
+          <a:prstGeom prst="rect">
+            <a:avLst/>
+          </a:prstGeom>
+          <a:solidFill>
+            <a:schemeClr val="bg1">
+              <a:lumMod val="50000"/>
+            </a:schemeClr>
+          </a:solidFill>
+          <a:ln>
+            <a:solidFill>
+              <a:schemeClr val="bg1">
+                <a:lumMod val="50000"/>
+              </a:schemeClr>
+            </a:solidFill>
+          </a:ln>
+        </p:spPr>
+        <p:style>
+          <a:lnRef idx="2">
+            <a:schemeClr val="accent1">
+              <a:shade val="50000"/>
+            </a:schemeClr>
+          </a:lnRef>
+          <a:fillRef idx="1">
+            <a:schemeClr val="accent1"/>
+          </a:fillRef>
+          <a:effectRef idx="0">
+            <a:schemeClr val="accent1"/>
+          </a:effectRef>
+          <a:fontRef idx="minor">
+            <a:schemeClr val="lt1"/>
+          </a:fontRef>
+        </p:style>
+        <p:txBody>
+          <a:bodyPr rtlCol="0" anchor="ctr"/>
+          <a:lstStyle/>
+          <a:p>
+            <a:pPr algn="ctr"/>
+            <a:endParaRPr lang="de-DE"/>
+          </a:p>
+        </p:txBody>
+      </p:sp>
     </p:spTree>
     <p:extLst>
       <p:ext uri="{BB962C8B-B14F-4D97-AF65-F5344CB8AC3E}">
@@ -10016,6 +11316,58 @@
               <a:rPr lang="de-DE" smtClean="0"/>
               <a:t>8</a:t>
             </a:fld>
+            <a:endParaRPr lang="de-DE"/>
+          </a:p>
+        </p:txBody>
+      </p:sp>
+      <p:sp>
+        <p:nvSpPr>
+          <p:cNvPr id="6" name="Rechteck 5"/>
+          <p:cNvSpPr/>
+          <p:nvPr/>
+        </p:nvSpPr>
+        <p:spPr>
+          <a:xfrm>
+            <a:off x="190500" y="6588954"/>
+            <a:ext cx="2268000" cy="108000"/>
+          </a:xfrm>
+          <a:prstGeom prst="rect">
+            <a:avLst/>
+          </a:prstGeom>
+          <a:solidFill>
+            <a:schemeClr val="bg1">
+              <a:lumMod val="50000"/>
+            </a:schemeClr>
+          </a:solidFill>
+          <a:ln>
+            <a:solidFill>
+              <a:schemeClr val="bg1">
+                <a:lumMod val="50000"/>
+              </a:schemeClr>
+            </a:solidFill>
+          </a:ln>
+        </p:spPr>
+        <p:style>
+          <a:lnRef idx="2">
+            <a:schemeClr val="accent1">
+              <a:shade val="50000"/>
+            </a:schemeClr>
+          </a:lnRef>
+          <a:fillRef idx="1">
+            <a:schemeClr val="accent1"/>
+          </a:fillRef>
+          <a:effectRef idx="0">
+            <a:schemeClr val="accent1"/>
+          </a:effectRef>
+          <a:fontRef idx="minor">
+            <a:schemeClr val="lt1"/>
+          </a:fontRef>
+        </p:style>
+        <p:txBody>
+          <a:bodyPr rtlCol="0" anchor="ctr"/>
+          <a:lstStyle/>
+          <a:p>
+            <a:pPr algn="ctr"/>
             <a:endParaRPr lang="de-DE"/>
           </a:p>
         </p:txBody>
@@ -10211,6 +11563,58 @@
               <a:rPr lang="de-DE" smtClean="0"/>
               <a:t>9</a:t>
             </a:fld>
+            <a:endParaRPr lang="de-DE"/>
+          </a:p>
+        </p:txBody>
+      </p:sp>
+      <p:sp>
+        <p:nvSpPr>
+          <p:cNvPr id="7" name="Rechteck 6"/>
+          <p:cNvSpPr/>
+          <p:nvPr/>
+        </p:nvSpPr>
+        <p:spPr>
+          <a:xfrm>
+            <a:off x="190500" y="6588954"/>
+            <a:ext cx="2592000" cy="108000"/>
+          </a:xfrm>
+          <a:prstGeom prst="rect">
+            <a:avLst/>
+          </a:prstGeom>
+          <a:solidFill>
+            <a:schemeClr val="bg1">
+              <a:lumMod val="50000"/>
+            </a:schemeClr>
+          </a:solidFill>
+          <a:ln>
+            <a:solidFill>
+              <a:schemeClr val="bg1">
+                <a:lumMod val="50000"/>
+              </a:schemeClr>
+            </a:solidFill>
+          </a:ln>
+        </p:spPr>
+        <p:style>
+          <a:lnRef idx="2">
+            <a:schemeClr val="accent1">
+              <a:shade val="50000"/>
+            </a:schemeClr>
+          </a:lnRef>
+          <a:fillRef idx="1">
+            <a:schemeClr val="accent1"/>
+          </a:fillRef>
+          <a:effectRef idx="0">
+            <a:schemeClr val="accent1"/>
+          </a:effectRef>
+          <a:fontRef idx="minor">
+            <a:schemeClr val="lt1"/>
+          </a:fontRef>
+        </p:style>
+        <p:txBody>
+          <a:bodyPr rtlCol="0" anchor="ctr"/>
+          <a:lstStyle/>
+          <a:p>
+            <a:pPr algn="ctr"/>
             <a:endParaRPr lang="de-DE"/>
           </a:p>
         </p:txBody>

--- a/Projekt-Präsentation.pptx
+++ b/Projekt-Präsentation.pptx
@@ -4067,7 +4067,7 @@
                   <a:schemeClr val="tx1"/>
                 </a:solidFill>
               </a:rPr>
-              <a:t>Angewandte „Optionen“</a:t>
+              <a:t>Vorteile und Nachteile</a:t>
             </a:r>
             <a:endParaRPr lang="de-DE" dirty="0">
               <a:solidFill>
@@ -4079,12 +4079,12 @@
       </p:sp>
       <p:sp>
         <p:nvSpPr>
-          <p:cNvPr id="3" name="Inhaltsplatzhalter 2"/>
-          <p:cNvSpPr>
-            <a:spLocks noGrp="1"/>
-          </p:cNvSpPr>
-          <p:nvPr>
-            <p:ph idx="1"/>
+          <p:cNvPr id="7" name="Textplatzhalter 6"/>
+          <p:cNvSpPr>
+            <a:spLocks noGrp="1"/>
+          </p:cNvSpPr>
+          <p:nvPr>
+            <p:ph type="body" idx="1"/>
           </p:nvPr>
         </p:nvSpPr>
         <p:spPr/>
@@ -4095,30 +4095,13 @@
           <a:lstStyle/>
           <a:p>
             <a:r>
-              <a:rPr lang="de-DE" sz="2400" dirty="0" err="1" smtClean="0">
-                <a:solidFill>
-                  <a:schemeClr val="tx1"/>
-                </a:solidFill>
-                <a:latin typeface="Calibri Light" panose="020F0302020204030204" pitchFamily="34" charset="0"/>
-              </a:rPr>
-              <a:t>JTable</a:t>
-            </a:r>
-            <a:endParaRPr lang="de-DE" sz="2400" dirty="0" smtClean="0">
-              <a:solidFill>
-                <a:schemeClr val="tx1"/>
-              </a:solidFill>
-              <a:latin typeface="Calibri Light" panose="020F0302020204030204" pitchFamily="34" charset="0"/>
-            </a:endParaRPr>
-          </a:p>
-          <a:p>
-            <a:r>
-              <a:rPr lang="de-DE" sz="2400" dirty="0" err="1" smtClean="0">
-                <a:solidFill>
-                  <a:schemeClr val="tx1"/>
-                </a:solidFill>
-                <a:latin typeface="Calibri Light" panose="020F0302020204030204" pitchFamily="34" charset="0"/>
-              </a:rPr>
-              <a:t>PasswordField</a:t>
+              <a:rPr lang="de-DE" sz="2400" dirty="0" smtClean="0">
+                <a:solidFill>
+                  <a:schemeClr val="tx1"/>
+                </a:solidFill>
+                <a:latin typeface="Calibri Light" panose="020F0302020204030204" pitchFamily="34" charset="0"/>
+              </a:rPr>
+              <a:t>Vorteile</a:t>
             </a:r>
             <a:endParaRPr lang="de-DE" sz="2400" dirty="0">
               <a:solidFill>
@@ -4126,6 +4109,153 @@
               </a:solidFill>
               <a:latin typeface="Calibri Light" panose="020F0302020204030204" pitchFamily="34" charset="0"/>
             </a:endParaRPr>
+          </a:p>
+        </p:txBody>
+      </p:sp>
+      <p:sp>
+        <p:nvSpPr>
+          <p:cNvPr id="3" name="Inhaltsplatzhalter 2"/>
+          <p:cNvSpPr>
+            <a:spLocks noGrp="1"/>
+          </p:cNvSpPr>
+          <p:nvPr>
+            <p:ph sz="half" idx="2"/>
+          </p:nvPr>
+        </p:nvSpPr>
+        <p:spPr/>
+        <p:txBody>
+          <a:bodyPr>
+            <a:normAutofit/>
+          </a:bodyPr>
+          <a:lstStyle/>
+          <a:p>
+            <a:r>
+              <a:rPr lang="de-DE" sz="2400" dirty="0" smtClean="0">
+                <a:solidFill>
+                  <a:schemeClr val="tx1"/>
+                </a:solidFill>
+                <a:latin typeface="Calibri Light" panose="020F0302020204030204" pitchFamily="34" charset="0"/>
+              </a:rPr>
+              <a:t>Einfache Verwaltung</a:t>
+            </a:r>
+          </a:p>
+          <a:p>
+            <a:r>
+              <a:rPr lang="de-DE" sz="2400" dirty="0" smtClean="0">
+                <a:solidFill>
+                  <a:schemeClr val="tx1"/>
+                </a:solidFill>
+                <a:latin typeface="Calibri Light" panose="020F0302020204030204" pitchFamily="34" charset="0"/>
+              </a:rPr>
+              <a:t>Alles Wichtige auf einem Blick</a:t>
+            </a:r>
+          </a:p>
+          <a:p>
+            <a:r>
+              <a:rPr lang="de-DE" sz="2400" dirty="0" smtClean="0">
+                <a:solidFill>
+                  <a:schemeClr val="tx1"/>
+                </a:solidFill>
+                <a:latin typeface="Calibri Light" panose="020F0302020204030204" pitchFamily="34" charset="0"/>
+              </a:rPr>
+              <a:t>Benutzerfreundlich</a:t>
+            </a:r>
+          </a:p>
+          <a:p>
+            <a:endParaRPr lang="de-DE" sz="2400" dirty="0">
+              <a:solidFill>
+                <a:schemeClr val="tx1"/>
+              </a:solidFill>
+              <a:latin typeface="Calibri Light" panose="020F0302020204030204" pitchFamily="34" charset="0"/>
+            </a:endParaRPr>
+          </a:p>
+        </p:txBody>
+      </p:sp>
+      <p:sp>
+        <p:nvSpPr>
+          <p:cNvPr id="8" name="Textplatzhalter 7"/>
+          <p:cNvSpPr>
+            <a:spLocks noGrp="1"/>
+          </p:cNvSpPr>
+          <p:nvPr>
+            <p:ph type="body" sz="quarter" idx="3"/>
+          </p:nvPr>
+        </p:nvSpPr>
+        <p:spPr/>
+        <p:txBody>
+          <a:bodyPr>
+            <a:normAutofit/>
+          </a:bodyPr>
+          <a:lstStyle/>
+          <a:p>
+            <a:r>
+              <a:rPr lang="de-DE" sz="2400" dirty="0" smtClean="0">
+                <a:solidFill>
+                  <a:schemeClr val="tx1"/>
+                </a:solidFill>
+                <a:latin typeface="Calibri Light" panose="020F0302020204030204" pitchFamily="34" charset="0"/>
+              </a:rPr>
+              <a:t>Nachteile</a:t>
+            </a:r>
+            <a:endParaRPr lang="de-DE" sz="2400" dirty="0">
+              <a:solidFill>
+                <a:schemeClr val="tx1"/>
+              </a:solidFill>
+              <a:latin typeface="Calibri Light" panose="020F0302020204030204" pitchFamily="34" charset="0"/>
+            </a:endParaRPr>
+          </a:p>
+        </p:txBody>
+      </p:sp>
+      <p:sp>
+        <p:nvSpPr>
+          <p:cNvPr id="9" name="Inhaltsplatzhalter 8"/>
+          <p:cNvSpPr>
+            <a:spLocks noGrp="1"/>
+          </p:cNvSpPr>
+          <p:nvPr>
+            <p:ph sz="quarter" idx="4"/>
+          </p:nvPr>
+        </p:nvSpPr>
+        <p:spPr/>
+        <p:txBody>
+          <a:bodyPr>
+            <a:normAutofit/>
+          </a:bodyPr>
+          <a:lstStyle/>
+          <a:p>
+            <a:r>
+              <a:rPr lang="de-DE" sz="2400" dirty="0" smtClean="0">
+                <a:solidFill>
+                  <a:schemeClr val="tx1"/>
+                </a:solidFill>
+                <a:latin typeface="Calibri Light" panose="020F0302020204030204" pitchFamily="34" charset="0"/>
+              </a:rPr>
+              <a:t>Noch nicht fertig</a:t>
+            </a:r>
+          </a:p>
+          <a:p>
+            <a:pPr lvl="1"/>
+            <a:r>
+              <a:rPr lang="de-DE" sz="2400" dirty="0" smtClean="0">
+                <a:solidFill>
+                  <a:schemeClr val="tx1"/>
+                </a:solidFill>
+                <a:latin typeface="Calibri Light" panose="020F0302020204030204" pitchFamily="34" charset="0"/>
+              </a:rPr>
+              <a:t>Anzeigefehler</a:t>
+            </a:r>
+          </a:p>
+          <a:p>
+            <a:pPr lvl="1"/>
+            <a:r>
+              <a:rPr lang="de-DE" sz="2400" dirty="0" smtClean="0">
+                <a:solidFill>
+                  <a:schemeClr val="tx1"/>
+                </a:solidFill>
+                <a:latin typeface="Calibri Light" panose="020F0302020204030204" pitchFamily="34" charset="0"/>
+              </a:rPr>
+              <a:t>Einteilung der Zeitblöcke</a:t>
+            </a:r>
           </a:p>
         </p:txBody>
       </p:sp>

--- a/Projekt-Präsentation.pptx
+++ b/Projekt-Präsentation.pptx
@@ -6709,14 +6709,20 @@
           <a:p>
             <a:pPr lvl="1"/>
             <a:r>
-              <a:rPr lang="de-DE" sz="2600" dirty="0">
-                <a:solidFill>
-                  <a:schemeClr val="tx1"/>
-                </a:solidFill>
-                <a:latin typeface="Calibri Light" panose="020F0302020204030204" pitchFamily="34" charset="0"/>
-              </a:rPr>
-              <a:t>Angewandte „Optionen“</a:t>
-            </a:r>
+              <a:rPr lang="de-DE" sz="2600" dirty="0" smtClean="0">
+                <a:solidFill>
+                  <a:schemeClr val="tx1"/>
+                </a:solidFill>
+                <a:latin typeface="Calibri Light" panose="020F0302020204030204" pitchFamily="34" charset="0"/>
+              </a:rPr>
+              <a:t>Vorteile und Nachteile</a:t>
+            </a:r>
+            <a:endParaRPr lang="de-DE" sz="2600" dirty="0">
+              <a:solidFill>
+                <a:schemeClr val="tx1"/>
+              </a:solidFill>
+              <a:latin typeface="Calibri Light" panose="020F0302020204030204" pitchFamily="34" charset="0"/>
+            </a:endParaRPr>
           </a:p>
           <a:p>
             <a:r>
@@ -7596,7 +7602,54 @@
             </a:endParaRPr>
           </a:p>
           <a:p>
-            <a:endParaRPr lang="de-DE" sz="2400" dirty="0">
+            <a:endParaRPr lang="de-DE" sz="2400" dirty="0" smtClean="0">
+              <a:solidFill>
+                <a:schemeClr val="tx1"/>
+              </a:solidFill>
+              <a:latin typeface="Calibri Light" panose="020F0302020204030204" pitchFamily="34" charset="0"/>
+            </a:endParaRPr>
+          </a:p>
+          <a:p>
+            <a:r>
+              <a:rPr lang="de-DE" sz="2400" dirty="0" smtClean="0">
+                <a:solidFill>
+                  <a:schemeClr val="tx1"/>
+                </a:solidFill>
+                <a:latin typeface="Calibri Light" panose="020F0302020204030204" pitchFamily="34" charset="0"/>
+              </a:rPr>
+              <a:t>Angewandte „Optionen“</a:t>
+            </a:r>
+          </a:p>
+          <a:p>
+            <a:pPr lvl="1"/>
+            <a:r>
+              <a:rPr lang="de-DE" sz="2200" dirty="0" err="1" smtClean="0">
+                <a:solidFill>
+                  <a:schemeClr val="tx1"/>
+                </a:solidFill>
+                <a:latin typeface="Calibri Light" panose="020F0302020204030204" pitchFamily="34" charset="0"/>
+              </a:rPr>
+              <a:t>JTable</a:t>
+            </a:r>
+            <a:endParaRPr lang="de-DE" sz="2200" dirty="0" smtClean="0">
+              <a:solidFill>
+                <a:schemeClr val="tx1"/>
+              </a:solidFill>
+              <a:latin typeface="Calibri Light" panose="020F0302020204030204" pitchFamily="34" charset="0"/>
+            </a:endParaRPr>
+          </a:p>
+          <a:p>
+            <a:pPr lvl="1"/>
+            <a:r>
+              <a:rPr lang="de-DE" sz="2200" dirty="0" err="1" smtClean="0">
+                <a:solidFill>
+                  <a:schemeClr val="tx1"/>
+                </a:solidFill>
+                <a:latin typeface="Calibri Light" panose="020F0302020204030204" pitchFamily="34" charset="0"/>
+              </a:rPr>
+              <a:t>PasswordField</a:t>
+            </a:r>
+            <a:endParaRPr lang="de-DE" sz="2200" dirty="0">
               <a:solidFill>
                 <a:schemeClr val="tx1"/>
               </a:solidFill>
